--- a/GIT_tutorial.pptx
+++ b/GIT_tutorial.pptx
@@ -34,6 +34,7 @@
     <p:sldId id="284" r:id="rId28"/>
     <p:sldId id="285" r:id="rId29"/>
     <p:sldId id="282" r:id="rId30"/>
+    <p:sldId id="286" r:id="rId31"/>
   </p:sldIdLst>
   <p:sldSz cx="12192000" cy="6858000"/>
   <p:notesSz cx="6858000" cy="9144000"/>
@@ -1858,7 +1859,7 @@
           <a:p>
             <a:fld id="{39842C5A-85C3-42AC-B108-5F66C128A085}" type="datetimeFigureOut">
               <a:rPr lang="el-GR" smtClean="0"/>
-              <a:t>2/4/2023</a:t>
+              <a:t>6/4/2023</a:t>
             </a:fld>
             <a:endParaRPr lang="el-GR"/>
           </a:p>
@@ -2058,7 +2059,7 @@
           <a:p>
             <a:fld id="{39842C5A-85C3-42AC-B108-5F66C128A085}" type="datetimeFigureOut">
               <a:rPr lang="el-GR" smtClean="0"/>
-              <a:t>2/4/2023</a:t>
+              <a:t>6/4/2023</a:t>
             </a:fld>
             <a:endParaRPr lang="el-GR"/>
           </a:p>
@@ -2268,7 +2269,7 @@
           <a:p>
             <a:fld id="{39842C5A-85C3-42AC-B108-5F66C128A085}" type="datetimeFigureOut">
               <a:rPr lang="el-GR" smtClean="0"/>
-              <a:t>2/4/2023</a:t>
+              <a:t>6/4/2023</a:t>
             </a:fld>
             <a:endParaRPr lang="el-GR"/>
           </a:p>
@@ -2468,7 +2469,7 @@
           <a:p>
             <a:fld id="{39842C5A-85C3-42AC-B108-5F66C128A085}" type="datetimeFigureOut">
               <a:rPr lang="el-GR" smtClean="0"/>
-              <a:t>2/4/2023</a:t>
+              <a:t>6/4/2023</a:t>
             </a:fld>
             <a:endParaRPr lang="el-GR"/>
           </a:p>
@@ -2744,7 +2745,7 @@
           <a:p>
             <a:fld id="{39842C5A-85C3-42AC-B108-5F66C128A085}" type="datetimeFigureOut">
               <a:rPr lang="el-GR" smtClean="0"/>
-              <a:t>2/4/2023</a:t>
+              <a:t>6/4/2023</a:t>
             </a:fld>
             <a:endParaRPr lang="el-GR"/>
           </a:p>
@@ -3012,7 +3013,7 @@
           <a:p>
             <a:fld id="{39842C5A-85C3-42AC-B108-5F66C128A085}" type="datetimeFigureOut">
               <a:rPr lang="el-GR" smtClean="0"/>
-              <a:t>2/4/2023</a:t>
+              <a:t>6/4/2023</a:t>
             </a:fld>
             <a:endParaRPr lang="el-GR"/>
           </a:p>
@@ -3427,7 +3428,7 @@
           <a:p>
             <a:fld id="{39842C5A-85C3-42AC-B108-5F66C128A085}" type="datetimeFigureOut">
               <a:rPr lang="el-GR" smtClean="0"/>
-              <a:t>2/4/2023</a:t>
+              <a:t>6/4/2023</a:t>
             </a:fld>
             <a:endParaRPr lang="el-GR"/>
           </a:p>
@@ -3569,7 +3570,7 @@
           <a:p>
             <a:fld id="{39842C5A-85C3-42AC-B108-5F66C128A085}" type="datetimeFigureOut">
               <a:rPr lang="el-GR" smtClean="0"/>
-              <a:t>2/4/2023</a:t>
+              <a:t>6/4/2023</a:t>
             </a:fld>
             <a:endParaRPr lang="el-GR"/>
           </a:p>
@@ -3682,7 +3683,7 @@
           <a:p>
             <a:fld id="{39842C5A-85C3-42AC-B108-5F66C128A085}" type="datetimeFigureOut">
               <a:rPr lang="el-GR" smtClean="0"/>
-              <a:t>2/4/2023</a:t>
+              <a:t>6/4/2023</a:t>
             </a:fld>
             <a:endParaRPr lang="el-GR"/>
           </a:p>
@@ -3995,7 +3996,7 @@
           <a:p>
             <a:fld id="{39842C5A-85C3-42AC-B108-5F66C128A085}" type="datetimeFigureOut">
               <a:rPr lang="el-GR" smtClean="0"/>
-              <a:t>2/4/2023</a:t>
+              <a:t>6/4/2023</a:t>
             </a:fld>
             <a:endParaRPr lang="el-GR"/>
           </a:p>
@@ -4284,7 +4285,7 @@
           <a:p>
             <a:fld id="{39842C5A-85C3-42AC-B108-5F66C128A085}" type="datetimeFigureOut">
               <a:rPr lang="el-GR" smtClean="0"/>
-              <a:t>2/4/2023</a:t>
+              <a:t>6/4/2023</a:t>
             </a:fld>
             <a:endParaRPr lang="el-GR"/>
           </a:p>
@@ -4527,7 +4528,7 @@
           <a:p>
             <a:fld id="{39842C5A-85C3-42AC-B108-5F66C128A085}" type="datetimeFigureOut">
               <a:rPr lang="el-GR" smtClean="0"/>
-              <a:t>2/4/2023</a:t>
+              <a:t>6/4/2023</a:t>
             </a:fld>
             <a:endParaRPr lang="el-GR"/>
           </a:p>
@@ -11872,10 +11873,39 @@
       </p:grpSpPr>
       <p:sp>
         <p:nvSpPr>
-          <p:cNvPr id="9" name="Content Placeholder 8">
-            <a:extLst>
-              <a:ext uri="{FF2B5EF4-FFF2-40B4-BE49-F238E27FC236}">
-                <a16:creationId xmlns:a16="http://schemas.microsoft.com/office/drawing/2014/main" id="{6A1DBECC-6A09-1E3E-8155-9A4E3AC04045}"/>
+          <p:cNvPr id="2" name="Τίτλος 1">
+            <a:extLst>
+              <a:ext uri="{FF2B5EF4-FFF2-40B4-BE49-F238E27FC236}">
+                <a16:creationId xmlns:a16="http://schemas.microsoft.com/office/drawing/2014/main" id="{C8D37F3B-CF07-E90D-C461-507A31DC272B}"/>
+              </a:ext>
+            </a:extLst>
+          </p:cNvPr>
+          <p:cNvSpPr>
+            <a:spLocks noGrp="1"/>
+          </p:cNvSpPr>
+          <p:nvPr>
+            <p:ph type="title"/>
+          </p:nvPr>
+        </p:nvSpPr>
+        <p:spPr/>
+        <p:txBody>
+          <a:bodyPr/>
+          <a:lstStyle/>
+          <a:p>
+            <a:r>
+              <a:rPr lang="en-US" dirty="0"/>
+              <a:t>What makes a repo popular</a:t>
+            </a:r>
+            <a:endParaRPr lang="el-GR" dirty="0"/>
+          </a:p>
+        </p:txBody>
+      </p:sp>
+      <p:sp>
+        <p:nvSpPr>
+          <p:cNvPr id="3" name="Θέση περιεχομένου 2">
+            <a:extLst>
+              <a:ext uri="{FF2B5EF4-FFF2-40B4-BE49-F238E27FC236}">
+                <a16:creationId xmlns:a16="http://schemas.microsoft.com/office/drawing/2014/main" id="{E57D0ED7-2221-5A14-0A22-B3D101E54A6F}"/>
               </a:ext>
             </a:extLst>
           </p:cNvPr>
@@ -11891,7 +11921,64 @@
           <a:bodyPr/>
           <a:lstStyle/>
           <a:p>
-            <a:endParaRPr lang="el-GR"/>
+            <a:r>
+              <a:rPr lang="en-US" dirty="0"/>
+              <a:t>This question can be answered with 3 metrics:</a:t>
+            </a:r>
+          </a:p>
+          <a:p>
+            <a:pPr lvl="1"/>
+            <a:r>
+              <a:rPr lang="en-US" b="1" dirty="0"/>
+              <a:t>Star</a:t>
+            </a:r>
+            <a:r>
+              <a:rPr lang="en-US" dirty="0"/>
+              <a:t>, when a user likes your repo or they want to show some appreciation, they </a:t>
+            </a:r>
+            <a:r>
+              <a:rPr lang="en-US" u="sng" dirty="0"/>
+              <a:t>star it</a:t>
+            </a:r>
+          </a:p>
+          <a:p>
+            <a:pPr lvl="1"/>
+            <a:r>
+              <a:rPr lang="en-US" b="1" dirty="0"/>
+              <a:t>Watch</a:t>
+            </a:r>
+            <a:r>
+              <a:rPr lang="en-US" dirty="0"/>
+              <a:t>, when a user wants to be notified of all the activities in a repo, they </a:t>
+            </a:r>
+            <a:r>
+              <a:rPr lang="en-US" u="sng" dirty="0"/>
+              <a:t>watch it</a:t>
+            </a:r>
+          </a:p>
+          <a:p>
+            <a:pPr lvl="1"/>
+            <a:r>
+              <a:rPr lang="en-US" b="1" dirty="0"/>
+              <a:t>Fork</a:t>
+            </a:r>
+            <a:r>
+              <a:rPr lang="en-US" dirty="0"/>
+              <a:t>, when a user wants a copy of the repo or they </a:t>
+            </a:r>
+            <a:r>
+              <a:rPr lang="en-US" dirty="0" err="1"/>
+              <a:t>inted</a:t>
+            </a:r>
+            <a:r>
+              <a:rPr lang="en-US" dirty="0"/>
+              <a:t> to make contributions, they </a:t>
+            </a:r>
+            <a:r>
+              <a:rPr lang="en-US" u="sng" dirty="0"/>
+              <a:t>fork it</a:t>
+            </a:r>
+            <a:endParaRPr lang="el-GR" u="sng" dirty="0"/>
           </a:p>
         </p:txBody>
       </p:sp>
@@ -12644,6 +12731,112 @@
     <p:extLst>
       <p:ext uri="{BB962C8B-B14F-4D97-AF65-F5344CB8AC3E}">
         <p14:creationId xmlns:p14="http://schemas.microsoft.com/office/powerpoint/2010/main" val="3836632661"/>
+      </p:ext>
+    </p:extLst>
+  </p:cSld>
+  <p:clrMapOvr>
+    <a:masterClrMapping/>
+  </p:clrMapOvr>
+</p:sld>
+</file>
+
+<file path=ppt/slides/slide30.xml><?xml version="1.0" encoding="utf-8"?>
+<p:sld xmlns:a="http://schemas.openxmlformats.org/drawingml/2006/main" xmlns:r="http://schemas.openxmlformats.org/officeDocument/2006/relationships" xmlns:p="http://schemas.openxmlformats.org/presentationml/2006/main">
+  <p:cSld>
+    <p:spTree>
+      <p:nvGrpSpPr>
+        <p:cNvPr id="1" name=""/>
+        <p:cNvGrpSpPr/>
+        <p:nvPr/>
+      </p:nvGrpSpPr>
+      <p:grpSpPr>
+        <a:xfrm>
+          <a:off x="0" y="0"/>
+          <a:ext cx="0" cy="0"/>
+          <a:chOff x="0" y="0"/>
+          <a:chExt cx="0" cy="0"/>
+        </a:xfrm>
+      </p:grpSpPr>
+      <p:sp>
+        <p:nvSpPr>
+          <p:cNvPr id="2" name="Τίτλος 1">
+            <a:extLst>
+              <a:ext uri="{FF2B5EF4-FFF2-40B4-BE49-F238E27FC236}">
+                <a16:creationId xmlns:a16="http://schemas.microsoft.com/office/drawing/2014/main" id="{C8D37F3B-CF07-E90D-C461-507A31DC272B}"/>
+              </a:ext>
+            </a:extLst>
+          </p:cNvPr>
+          <p:cNvSpPr>
+            <a:spLocks noGrp="1"/>
+          </p:cNvSpPr>
+          <p:nvPr>
+            <p:ph type="title"/>
+          </p:nvPr>
+        </p:nvSpPr>
+        <p:spPr/>
+        <p:txBody>
+          <a:bodyPr/>
+          <a:lstStyle/>
+          <a:p>
+            <a:r>
+              <a:rPr lang="en-US" dirty="0"/>
+              <a:t>What is code of conduct</a:t>
+            </a:r>
+            <a:endParaRPr lang="el-GR" dirty="0"/>
+          </a:p>
+        </p:txBody>
+      </p:sp>
+      <p:sp>
+        <p:nvSpPr>
+          <p:cNvPr id="3" name="Θέση περιεχομένου 2">
+            <a:extLst>
+              <a:ext uri="{FF2B5EF4-FFF2-40B4-BE49-F238E27FC236}">
+                <a16:creationId xmlns:a16="http://schemas.microsoft.com/office/drawing/2014/main" id="{E57D0ED7-2221-5A14-0A22-B3D101E54A6F}"/>
+              </a:ext>
+            </a:extLst>
+          </p:cNvPr>
+          <p:cNvSpPr>
+            <a:spLocks noGrp="1"/>
+          </p:cNvSpPr>
+          <p:nvPr>
+            <p:ph idx="1"/>
+          </p:nvPr>
+        </p:nvSpPr>
+        <p:spPr/>
+        <p:txBody>
+          <a:bodyPr/>
+          <a:lstStyle/>
+          <a:p>
+            <a:r>
+              <a:rPr lang="en-US" b="0" i="0" dirty="0">
+                <a:solidFill>
+                  <a:srgbClr val="202124"/>
+                </a:solidFill>
+                <a:effectLst/>
+                <a:latin typeface="arial" panose="020B0604020202020204" pitchFamily="34" charset="0"/>
+              </a:rPr>
+              <a:t> </a:t>
+            </a:r>
+            <a:r>
+              <a:rPr lang="en-US" dirty="0"/>
+              <a:t>The </a:t>
+            </a:r>
+            <a:r>
+              <a:rPr lang="en-US" b="1" dirty="0"/>
+              <a:t>code of conduct</a:t>
+            </a:r>
+            <a:r>
+              <a:rPr lang="en-US" dirty="0"/>
+              <a:t>, defines standards for how to engage in a community. It signals an inclusive environment that respects all contributions. It also outlines procedures for addressing problems between members of your project's community.</a:t>
+            </a:r>
+            <a:endParaRPr lang="el-GR" dirty="0"/>
+          </a:p>
+        </p:txBody>
+      </p:sp>
+    </p:spTree>
+    <p:extLst>
+      <p:ext uri="{BB962C8B-B14F-4D97-AF65-F5344CB8AC3E}">
+        <p14:creationId xmlns:p14="http://schemas.microsoft.com/office/powerpoint/2010/main" val="1768659055"/>
       </p:ext>
     </p:extLst>
   </p:cSld>
